--- a/slide.pptx
+++ b/slide.pptx
@@ -5477,8 +5477,8 @@
             </p:nvSpPr>
             <p:spPr>
               <a:xfrm>
-                <a:off x="2621018" y="2396520"/>
-                <a:ext cx="3761363" cy="1569660"/>
+                <a:off x="1899499" y="2396520"/>
+                <a:ext cx="3925925" cy="1569660"/>
               </a:xfrm>
               <a:prstGeom prst="rect">
                 <a:avLst/>
@@ -5526,18 +5526,38 @@
               </a:p>
               <a:p>
                 <a:r>
-                  <a:rPr lang="en-US" sz="3200" dirty="0" smtClean="0">
-                    <a:solidFill>
-                      <a:schemeClr val="bg1"/>
-                    </a:solidFill>
+                  <a:rPr lang="en-US" sz="3200" b="1" dirty="0" smtClean="0">
+                    <a:ln w="9525">
+                      <a:solidFill>
+                        <a:schemeClr val="bg1"/>
+                      </a:solidFill>
+                      <a:prstDash val="solid"/>
+                    </a:ln>
+                    <a:effectLst>
+                      <a:outerShdw blurRad="12700" dist="38100" dir="2700000" algn="tl" rotWithShape="0">
+                        <a:schemeClr val="bg1">
+                          <a:lumMod val="50000"/>
+                        </a:schemeClr>
+                      </a:outerShdw>
+                    </a:effectLst>
                     <a:hlinkClick r:id="rId2"/>
                   </a:rPr>
                   <a:t>https://dangphong91.github.io/caseStudy/</a:t>
                 </a:r>
-                <a:endParaRPr lang="en-US" sz="3200" dirty="0" smtClean="0">
-                  <a:solidFill>
-                    <a:schemeClr val="bg1"/>
-                  </a:solidFill>
+                <a:endParaRPr lang="en-US" sz="3200" b="1" dirty="0" smtClean="0">
+                  <a:ln w="9525">
+                    <a:solidFill>
+                      <a:schemeClr val="bg1"/>
+                    </a:solidFill>
+                    <a:prstDash val="solid"/>
+                  </a:ln>
+                  <a:effectLst>
+                    <a:outerShdw blurRad="12700" dist="38100" dir="2700000" algn="tl" rotWithShape="0">
+                      <a:schemeClr val="bg1">
+                        <a:lumMod val="50000"/>
+                      </a:schemeClr>
+                    </a:outerShdw>
+                  </a:effectLst>
                 </a:endParaRPr>
               </a:p>
             </p:txBody>
